--- a/발표 자료들/2024 2DGP 프로젝트 2차 발표 2023182001 경성준.pptx
+++ b/발표 자료들/2024 2DGP 프로젝트 2차 발표 2023182001 경성준.pptx
@@ -4709,7 +4709,7 @@
             </a:r>
             <a:r>
               <a:rPr lang="en-US" altLang="ko-KR" sz="1100" dirty="0"/>
-              <a:t>: 20%)</a:t>
+              <a:t>: 20%~)</a:t>
             </a:r>
           </a:p>
           <a:p>
@@ -4746,11 +4746,35 @@
             </a:r>
             <a:r>
               <a:rPr lang="en-US" altLang="ko-KR" sz="1100" dirty="0"/>
-              <a:t>-&gt; </a:t>
-            </a:r>
-            <a:r>
-              <a:rPr lang="ko-KR" altLang="en-US" sz="1100" dirty="0"/>
-              <a:t>변경 게임 진행 구현 </a:t>
+              <a:t>-&gt;</a:t>
+            </a:r>
+            <a:r>
+              <a:rPr lang="ko-KR" altLang="en-US" sz="1100" dirty="0"/>
+              <a:t>변경</a:t>
+            </a:r>
+            <a:r>
+              <a:rPr lang="en-US" altLang="ko-KR" sz="1100" dirty="0"/>
+              <a:t> </a:t>
+            </a:r>
+            <a:r>
+              <a:rPr lang="ko-KR" altLang="en-US" sz="1100" dirty="0"/>
+              <a:t>보스 애니메이션 및 </a:t>
+            </a:r>
+            <a:r>
+              <a:rPr lang="en-US" altLang="ko-KR" sz="1100" dirty="0"/>
+              <a:t>AI </a:t>
+            </a:r>
+            <a:r>
+              <a:rPr lang="ko-KR" altLang="en-US" sz="1100" dirty="0"/>
+              <a:t>구현</a:t>
+            </a:r>
+            <a:r>
+              <a:rPr lang="en-US" altLang="ko-KR" sz="1100" dirty="0"/>
+              <a:t>,</a:t>
+            </a:r>
+            <a:r>
+              <a:rPr lang="ko-KR" altLang="en-US" sz="1100" dirty="0"/>
+              <a:t> 게임 진행 구현 </a:t>
             </a:r>
             <a:r>
               <a:rPr lang="en-US" altLang="ko-KR" sz="1100" dirty="0"/>
